--- a/Bank_Churn_Rate.pptx
+++ b/Bank_Churn_Rate.pptx
@@ -263,7 +263,7 @@
           <a:p>
             <a:fld id="{97D68E03-3D94-4069-8A73-2359DE3E6BF1}" type="datetimeFigureOut">
               <a:rPr lang="en-MY" smtClean="0"/>
-              <a:t>22/10/2021</a:t>
+              <a:t>27/10/2021</a:t>
             </a:fld>
             <a:endParaRPr lang="en-MY"/>
           </a:p>
@@ -463,7 +463,7 @@
           <a:p>
             <a:fld id="{97D68E03-3D94-4069-8A73-2359DE3E6BF1}" type="datetimeFigureOut">
               <a:rPr lang="en-MY" smtClean="0"/>
-              <a:t>22/10/2021</a:t>
+              <a:t>27/10/2021</a:t>
             </a:fld>
             <a:endParaRPr lang="en-MY"/>
           </a:p>
@@ -673,7 +673,7 @@
           <a:p>
             <a:fld id="{97D68E03-3D94-4069-8A73-2359DE3E6BF1}" type="datetimeFigureOut">
               <a:rPr lang="en-MY" smtClean="0"/>
-              <a:t>22/10/2021</a:t>
+              <a:t>27/10/2021</a:t>
             </a:fld>
             <a:endParaRPr lang="en-MY"/>
           </a:p>
@@ -873,7 +873,7 @@
           <a:p>
             <a:fld id="{97D68E03-3D94-4069-8A73-2359DE3E6BF1}" type="datetimeFigureOut">
               <a:rPr lang="en-MY" smtClean="0"/>
-              <a:t>22/10/2021</a:t>
+              <a:t>27/10/2021</a:t>
             </a:fld>
             <a:endParaRPr lang="en-MY"/>
           </a:p>
@@ -1149,7 +1149,7 @@
           <a:p>
             <a:fld id="{97D68E03-3D94-4069-8A73-2359DE3E6BF1}" type="datetimeFigureOut">
               <a:rPr lang="en-MY" smtClean="0"/>
-              <a:t>22/10/2021</a:t>
+              <a:t>27/10/2021</a:t>
             </a:fld>
             <a:endParaRPr lang="en-MY"/>
           </a:p>
@@ -1417,7 +1417,7 @@
           <a:p>
             <a:fld id="{97D68E03-3D94-4069-8A73-2359DE3E6BF1}" type="datetimeFigureOut">
               <a:rPr lang="en-MY" smtClean="0"/>
-              <a:t>22/10/2021</a:t>
+              <a:t>27/10/2021</a:t>
             </a:fld>
             <a:endParaRPr lang="en-MY"/>
           </a:p>
@@ -1832,7 +1832,7 @@
           <a:p>
             <a:fld id="{97D68E03-3D94-4069-8A73-2359DE3E6BF1}" type="datetimeFigureOut">
               <a:rPr lang="en-MY" smtClean="0"/>
-              <a:t>22/10/2021</a:t>
+              <a:t>27/10/2021</a:t>
             </a:fld>
             <a:endParaRPr lang="en-MY"/>
           </a:p>
@@ -1974,7 +1974,7 @@
           <a:p>
             <a:fld id="{97D68E03-3D94-4069-8A73-2359DE3E6BF1}" type="datetimeFigureOut">
               <a:rPr lang="en-MY" smtClean="0"/>
-              <a:t>22/10/2021</a:t>
+              <a:t>27/10/2021</a:t>
             </a:fld>
             <a:endParaRPr lang="en-MY"/>
           </a:p>
@@ -2087,7 +2087,7 @@
           <a:p>
             <a:fld id="{97D68E03-3D94-4069-8A73-2359DE3E6BF1}" type="datetimeFigureOut">
               <a:rPr lang="en-MY" smtClean="0"/>
-              <a:t>22/10/2021</a:t>
+              <a:t>27/10/2021</a:t>
             </a:fld>
             <a:endParaRPr lang="en-MY"/>
           </a:p>
@@ -2400,7 +2400,7 @@
           <a:p>
             <a:fld id="{97D68E03-3D94-4069-8A73-2359DE3E6BF1}" type="datetimeFigureOut">
               <a:rPr lang="en-MY" smtClean="0"/>
-              <a:t>22/10/2021</a:t>
+              <a:t>27/10/2021</a:t>
             </a:fld>
             <a:endParaRPr lang="en-MY"/>
           </a:p>
@@ -2689,7 +2689,7 @@
           <a:p>
             <a:fld id="{97D68E03-3D94-4069-8A73-2359DE3E6BF1}" type="datetimeFigureOut">
               <a:rPr lang="en-MY" smtClean="0"/>
-              <a:t>22/10/2021</a:t>
+              <a:t>27/10/2021</a:t>
             </a:fld>
             <a:endParaRPr lang="en-MY"/>
           </a:p>
@@ -2932,7 +2932,7 @@
           <a:p>
             <a:fld id="{97D68E03-3D94-4069-8A73-2359DE3E6BF1}" type="datetimeFigureOut">
               <a:rPr lang="en-MY" smtClean="0"/>
-              <a:t>22/10/2021</a:t>
+              <a:t>27/10/2021</a:t>
             </a:fld>
             <a:endParaRPr lang="en-MY"/>
           </a:p>
@@ -3760,17 +3760,8 @@
               <a:rPr lang="en-MY" dirty="0">
                 <a:cs typeface="Times New Roman" panose="02020603050405020304" pitchFamily="18" charset="0"/>
               </a:rPr>
-              <a:t>It is advantageous for banks to know what leads a customer towards the decision to leave </a:t>
-            </a:r>
-            <a:r>
-              <a:rPr lang="en-MY">
-                <a:cs typeface="Times New Roman" panose="02020603050405020304" pitchFamily="18" charset="0"/>
-              </a:rPr>
-              <a:t>the bank.</a:t>
-            </a:r>
-            <a:endParaRPr lang="en-MY" dirty="0">
-              <a:cs typeface="Times New Roman" panose="02020603050405020304" pitchFamily="18" charset="0"/>
-            </a:endParaRPr>
+              <a:t>It is advantageous for banks to know what leads a customer towards the decision to leave the bank.</a:t>
+            </a:r>
           </a:p>
           <a:p>
             <a:pPr marL="457200" lvl="1" indent="0">
@@ -3797,7 +3788,19 @@
               <a:rPr lang="en-MY" dirty="0">
                 <a:cs typeface="Times New Roman" panose="02020603050405020304" pitchFamily="18" charset="0"/>
               </a:rPr>
-              <a:t>Predict customers churn rate in order to prevent possible profit loss for the bank.</a:t>
+              <a:t>Predict </a:t>
+            </a:r>
+            <a:r>
+              <a:rPr lang="en-MY">
+                <a:cs typeface="Times New Roman" panose="02020603050405020304" pitchFamily="18" charset="0"/>
+              </a:rPr>
+              <a:t>customers churn in </a:t>
+            </a:r>
+            <a:r>
+              <a:rPr lang="en-MY" dirty="0">
+                <a:cs typeface="Times New Roman" panose="02020603050405020304" pitchFamily="18" charset="0"/>
+              </a:rPr>
+              <a:t>order to prevent possible profit loss for the bank.</a:t>
             </a:r>
           </a:p>
           <a:p>
